--- a/Poster.pptx
+++ b/Poster.pptx
@@ -12,6 +12,7 @@
     <p:sldId id="259" r:id="rId6"/>
     <p:sldId id="260" r:id="rId7"/>
     <p:sldId id="261" r:id="rId8"/>
+    <p:sldId id="263" r:id="rId9"/>
   </p:sldIdLst>
   <p:sldSz cx="6858000" cy="9906000" type="A4"/>
   <p:notesSz cx="6858000" cy="9144000"/>
@@ -294,7 +295,8 @@
           <a:p>
             <a:fld id="{C90ED311-6AD7-4B2F-8EFF-A14BD54FDF03}" type="datetimeFigureOut">
               <a:rPr lang="en-US" smtClean="0"/>
-              <a:t>12/5/2017</a:t>
+              <a:pPr/>
+              <a:t>12/6/2017</a:t>
             </a:fld>
             <a:endParaRPr lang="en-US"/>
           </a:p>
@@ -336,6 +338,7 @@
           <a:p>
             <a:fld id="{89461AAC-EC72-4DA8-AD5F-B27D4E7FBCB7}" type="slidenum">
               <a:rPr lang="en-US" smtClean="0"/>
+              <a:pPr/>
               <a:t>‹#›</a:t>
             </a:fld>
             <a:endParaRPr lang="en-US"/>
@@ -459,7 +462,8 @@
           <a:p>
             <a:fld id="{C90ED311-6AD7-4B2F-8EFF-A14BD54FDF03}" type="datetimeFigureOut">
               <a:rPr lang="en-US" smtClean="0"/>
-              <a:t>12/5/2017</a:t>
+              <a:pPr/>
+              <a:t>12/6/2017</a:t>
             </a:fld>
             <a:endParaRPr lang="en-US"/>
           </a:p>
@@ -501,6 +505,7 @@
           <a:p>
             <a:fld id="{89461AAC-EC72-4DA8-AD5F-B27D4E7FBCB7}" type="slidenum">
               <a:rPr lang="en-US" smtClean="0"/>
+              <a:pPr/>
               <a:t>‹#›</a:t>
             </a:fld>
             <a:endParaRPr lang="en-US"/>
@@ -634,7 +639,8 @@
           <a:p>
             <a:fld id="{C90ED311-6AD7-4B2F-8EFF-A14BD54FDF03}" type="datetimeFigureOut">
               <a:rPr lang="en-US" smtClean="0"/>
-              <a:t>12/5/2017</a:t>
+              <a:pPr/>
+              <a:t>12/6/2017</a:t>
             </a:fld>
             <a:endParaRPr lang="en-US"/>
           </a:p>
@@ -676,6 +682,7 @@
           <a:p>
             <a:fld id="{89461AAC-EC72-4DA8-AD5F-B27D4E7FBCB7}" type="slidenum">
               <a:rPr lang="en-US" smtClean="0"/>
+              <a:pPr/>
               <a:t>‹#›</a:t>
             </a:fld>
             <a:endParaRPr lang="en-US"/>
@@ -799,7 +806,8 @@
           <a:p>
             <a:fld id="{C90ED311-6AD7-4B2F-8EFF-A14BD54FDF03}" type="datetimeFigureOut">
               <a:rPr lang="en-US" smtClean="0"/>
-              <a:t>12/5/2017</a:t>
+              <a:pPr/>
+              <a:t>12/6/2017</a:t>
             </a:fld>
             <a:endParaRPr lang="en-US"/>
           </a:p>
@@ -841,6 +849,7 @@
           <a:p>
             <a:fld id="{89461AAC-EC72-4DA8-AD5F-B27D4E7FBCB7}" type="slidenum">
               <a:rPr lang="en-US" smtClean="0"/>
+              <a:pPr/>
               <a:t>‹#›</a:t>
             </a:fld>
             <a:endParaRPr lang="en-US"/>
@@ -1040,7 +1049,8 @@
           <a:p>
             <a:fld id="{C90ED311-6AD7-4B2F-8EFF-A14BD54FDF03}" type="datetimeFigureOut">
               <a:rPr lang="en-US" smtClean="0"/>
-              <a:t>12/5/2017</a:t>
+              <a:pPr/>
+              <a:t>12/6/2017</a:t>
             </a:fld>
             <a:endParaRPr lang="en-US"/>
           </a:p>
@@ -1082,6 +1092,7 @@
           <a:p>
             <a:fld id="{89461AAC-EC72-4DA8-AD5F-B27D4E7FBCB7}" type="slidenum">
               <a:rPr lang="en-US" smtClean="0"/>
+              <a:pPr/>
               <a:t>‹#›</a:t>
             </a:fld>
             <a:endParaRPr lang="en-US"/>
@@ -1323,7 +1334,8 @@
           <a:p>
             <a:fld id="{C90ED311-6AD7-4B2F-8EFF-A14BD54FDF03}" type="datetimeFigureOut">
               <a:rPr lang="en-US" smtClean="0"/>
-              <a:t>12/5/2017</a:t>
+              <a:pPr/>
+              <a:t>12/6/2017</a:t>
             </a:fld>
             <a:endParaRPr lang="en-US"/>
           </a:p>
@@ -1365,6 +1377,7 @@
           <a:p>
             <a:fld id="{89461AAC-EC72-4DA8-AD5F-B27D4E7FBCB7}" type="slidenum">
               <a:rPr lang="en-US" smtClean="0"/>
+              <a:pPr/>
               <a:t>‹#›</a:t>
             </a:fld>
             <a:endParaRPr lang="en-US"/>
@@ -1740,7 +1753,8 @@
           <a:p>
             <a:fld id="{C90ED311-6AD7-4B2F-8EFF-A14BD54FDF03}" type="datetimeFigureOut">
               <a:rPr lang="en-US" smtClean="0"/>
-              <a:t>12/5/2017</a:t>
+              <a:pPr/>
+              <a:t>12/6/2017</a:t>
             </a:fld>
             <a:endParaRPr lang="en-US"/>
           </a:p>
@@ -1782,6 +1796,7 @@
           <a:p>
             <a:fld id="{89461AAC-EC72-4DA8-AD5F-B27D4E7FBCB7}" type="slidenum">
               <a:rPr lang="en-US" smtClean="0"/>
+              <a:pPr/>
               <a:t>‹#›</a:t>
             </a:fld>
             <a:endParaRPr lang="en-US"/>
@@ -1853,7 +1868,8 @@
           <a:p>
             <a:fld id="{C90ED311-6AD7-4B2F-8EFF-A14BD54FDF03}" type="datetimeFigureOut">
               <a:rPr lang="en-US" smtClean="0"/>
-              <a:t>12/5/2017</a:t>
+              <a:pPr/>
+              <a:t>12/6/2017</a:t>
             </a:fld>
             <a:endParaRPr lang="en-US"/>
           </a:p>
@@ -1895,6 +1911,7 @@
           <a:p>
             <a:fld id="{89461AAC-EC72-4DA8-AD5F-B27D4E7FBCB7}" type="slidenum">
               <a:rPr lang="en-US" smtClean="0"/>
+              <a:pPr/>
               <a:t>‹#›</a:t>
             </a:fld>
             <a:endParaRPr lang="en-US"/>
@@ -1943,7 +1960,8 @@
           <a:p>
             <a:fld id="{C90ED311-6AD7-4B2F-8EFF-A14BD54FDF03}" type="datetimeFigureOut">
               <a:rPr lang="en-US" smtClean="0"/>
-              <a:t>12/5/2017</a:t>
+              <a:pPr/>
+              <a:t>12/6/2017</a:t>
             </a:fld>
             <a:endParaRPr lang="en-US"/>
           </a:p>
@@ -1985,6 +2003,7 @@
           <a:p>
             <a:fld id="{89461AAC-EC72-4DA8-AD5F-B27D4E7FBCB7}" type="slidenum">
               <a:rPr lang="en-US" smtClean="0"/>
+              <a:pPr/>
               <a:t>‹#›</a:t>
             </a:fld>
             <a:endParaRPr lang="en-US"/>
@@ -2215,7 +2234,8 @@
           <a:p>
             <a:fld id="{C90ED311-6AD7-4B2F-8EFF-A14BD54FDF03}" type="datetimeFigureOut">
               <a:rPr lang="en-US" smtClean="0"/>
-              <a:t>12/5/2017</a:t>
+              <a:pPr/>
+              <a:t>12/6/2017</a:t>
             </a:fld>
             <a:endParaRPr lang="en-US"/>
           </a:p>
@@ -2257,6 +2277,7 @@
           <a:p>
             <a:fld id="{89461AAC-EC72-4DA8-AD5F-B27D4E7FBCB7}" type="slidenum">
               <a:rPr lang="en-US" smtClean="0"/>
+              <a:pPr/>
               <a:t>‹#›</a:t>
             </a:fld>
             <a:endParaRPr lang="en-US"/>
@@ -2463,7 +2484,8 @@
           <a:p>
             <a:fld id="{C90ED311-6AD7-4B2F-8EFF-A14BD54FDF03}" type="datetimeFigureOut">
               <a:rPr lang="en-US" smtClean="0"/>
-              <a:t>12/5/2017</a:t>
+              <a:pPr/>
+              <a:t>12/6/2017</a:t>
             </a:fld>
             <a:endParaRPr lang="en-US"/>
           </a:p>
@@ -2505,6 +2527,7 @@
           <a:p>
             <a:fld id="{89461AAC-EC72-4DA8-AD5F-B27D4E7FBCB7}" type="slidenum">
               <a:rPr lang="en-US" smtClean="0"/>
+              <a:pPr/>
               <a:t>‹#›</a:t>
             </a:fld>
             <a:endParaRPr lang="en-US"/>
@@ -2671,7 +2694,8 @@
           <a:p>
             <a:fld id="{C90ED311-6AD7-4B2F-8EFF-A14BD54FDF03}" type="datetimeFigureOut">
               <a:rPr lang="en-US" smtClean="0"/>
-              <a:t>12/5/2017</a:t>
+              <a:pPr/>
+              <a:t>12/6/2017</a:t>
             </a:fld>
             <a:endParaRPr lang="en-US"/>
           </a:p>
@@ -2749,6 +2773,7 @@
           <a:p>
             <a:fld id="{89461AAC-EC72-4DA8-AD5F-B27D4E7FBCB7}" type="slidenum">
               <a:rPr lang="en-US" smtClean="0"/>
+              <a:pPr/>
               <a:t>‹#›</a:t>
             </a:fld>
             <a:endParaRPr lang="en-US"/>
@@ -4162,7 +4187,12 @@
             <p:ph type="title"/>
           </p:nvPr>
         </p:nvSpPr>
-        <p:spPr/>
+        <p:spPr>
+          <a:xfrm>
+            <a:off x="304800" y="0"/>
+            <a:ext cx="6172200" cy="1651000"/>
+          </a:xfrm>
+        </p:spPr>
         <p:txBody>
           <a:bodyPr/>
           <a:lstStyle/>
@@ -4185,25 +4215,301 @@
           </a:p>
         </p:txBody>
       </p:sp>
-      <p:sp>
-        <p:nvSpPr>
-          <p:cNvPr id="6" name="Content Placeholder 5"/>
-          <p:cNvSpPr>
-            <a:spLocks noGrp="1"/>
-          </p:cNvSpPr>
+      <p:pic>
+        <p:nvPicPr>
+          <p:cNvPr id="1026" name="Picture 2" descr="E:\academics\653\project\graphs\Average RTT by country per website\Google.jpg"/>
+          <p:cNvPicPr>
+            <a:picLocks noGrp="1" noChangeAspect="1" noChangeArrowheads="1"/>
+          </p:cNvPicPr>
           <p:nvPr>
             <p:ph idx="1"/>
           </p:nvPr>
-        </p:nvSpPr>
-        <p:spPr/>
-        <p:txBody>
-          <a:bodyPr/>
-          <a:lstStyle/>
-          <a:p>
-            <a:endParaRPr lang="en-US"/>
-          </a:p>
-        </p:txBody>
-      </p:sp>
+        </p:nvPicPr>
+        <p:blipFill>
+          <a:blip r:embed="rId2"/>
+          <a:srcRect/>
+          <a:stretch>
+            <a:fillRect/>
+          </a:stretch>
+        </p:blipFill>
+        <p:spPr bwMode="auto">
+          <a:xfrm>
+            <a:off x="228600" y="1905000"/>
+            <a:ext cx="3124200" cy="3429000"/>
+          </a:xfrm>
+          <a:prstGeom prst="rect">
+            <a:avLst/>
+          </a:prstGeom>
+          <a:noFill/>
+        </p:spPr>
+      </p:pic>
+      <p:pic>
+        <p:nvPicPr>
+          <p:cNvPr id="1027" name="Picture 3" descr="E:\academics\653\project\graphs\Average RTT by country per website\Instagram.jpg"/>
+          <p:cNvPicPr>
+            <a:picLocks noChangeAspect="1" noChangeArrowheads="1"/>
+          </p:cNvPicPr>
+          <p:nvPr/>
+        </p:nvPicPr>
+        <p:blipFill>
+          <a:blip r:embed="rId3"/>
+          <a:srcRect/>
+          <a:stretch>
+            <a:fillRect/>
+          </a:stretch>
+        </p:blipFill>
+        <p:spPr bwMode="auto">
+          <a:xfrm>
+            <a:off x="3505200" y="1905000"/>
+            <a:ext cx="3124200" cy="3352800"/>
+          </a:xfrm>
+          <a:prstGeom prst="rect">
+            <a:avLst/>
+          </a:prstGeom>
+          <a:noFill/>
+        </p:spPr>
+      </p:pic>
+      <p:sp>
+        <p:nvSpPr>
+          <p:cNvPr id="7" name="TextBox 6"/>
+          <p:cNvSpPr txBox="1"/>
+          <p:nvPr/>
+        </p:nvSpPr>
+        <p:spPr>
+          <a:xfrm>
+            <a:off x="1371600" y="1371600"/>
+            <a:ext cx="4267200" cy="369332"/>
+          </a:xfrm>
+          <a:prstGeom prst="rect">
+            <a:avLst/>
+          </a:prstGeom>
+          <a:noFill/>
+        </p:spPr>
+        <p:txBody>
+          <a:bodyPr wrap="square" rtlCol="0">
+            <a:spAutoFit/>
+          </a:bodyPr>
+          <a:lstStyle/>
+          <a:p>
+            <a:r>
+              <a:rPr lang="en-US" b="1" dirty="0" smtClean="0"/>
+              <a:t>Performance with reference to websites</a:t>
+            </a:r>
+            <a:endParaRPr lang="en-US" b="1" dirty="0"/>
+          </a:p>
+        </p:txBody>
+      </p:sp>
+      <p:pic>
+        <p:nvPicPr>
+          <p:cNvPr id="1030" name="Picture 6" descr="E:\academics\653\project\graphs\number of hops by country per website\instagramhops.jpg"/>
+          <p:cNvPicPr>
+            <a:picLocks noChangeAspect="1" noChangeArrowheads="1"/>
+          </p:cNvPicPr>
+          <p:nvPr/>
+        </p:nvPicPr>
+        <p:blipFill>
+          <a:blip r:embed="rId4"/>
+          <a:srcRect/>
+          <a:stretch>
+            <a:fillRect/>
+          </a:stretch>
+        </p:blipFill>
+        <p:spPr bwMode="auto">
+          <a:xfrm>
+            <a:off x="228600" y="5562600"/>
+            <a:ext cx="3124200" cy="3657600"/>
+          </a:xfrm>
+          <a:prstGeom prst="rect">
+            <a:avLst/>
+          </a:prstGeom>
+          <a:noFill/>
+        </p:spPr>
+      </p:pic>
+      <p:pic>
+        <p:nvPicPr>
+          <p:cNvPr id="1031" name="Picture 7" descr="E:\academics\653\project\graphs\number of hops by country per website\yahoo.jpg"/>
+          <p:cNvPicPr>
+            <a:picLocks noChangeAspect="1" noChangeArrowheads="1"/>
+          </p:cNvPicPr>
+          <p:nvPr/>
+        </p:nvPicPr>
+        <p:blipFill>
+          <a:blip r:embed="rId5"/>
+          <a:srcRect/>
+          <a:stretch>
+            <a:fillRect/>
+          </a:stretch>
+        </p:blipFill>
+        <p:spPr bwMode="auto">
+          <a:xfrm>
+            <a:off x="3505200" y="5562600"/>
+            <a:ext cx="3057525" cy="3657600"/>
+          </a:xfrm>
+          <a:prstGeom prst="rect">
+            <a:avLst/>
+          </a:prstGeom>
+          <a:noFill/>
+        </p:spPr>
+      </p:pic>
+    </p:spTree>
+  </p:cSld>
+  <p:clrMapOvr>
+    <a:masterClrMapping/>
+  </p:clrMapOvr>
+</p:sld>
+</file>
+
+<file path=ppt/slides/slide8.xml><?xml version="1.0" encoding="utf-8"?>
+<p:sld xmlns:a="http://schemas.openxmlformats.org/drawingml/2006/main" xmlns:r="http://schemas.openxmlformats.org/officeDocument/2006/relationships" xmlns:p="http://schemas.openxmlformats.org/presentationml/2006/main">
+  <p:cSld>
+    <p:spTree>
+      <p:nvGrpSpPr>
+        <p:cNvPr id="1" name=""/>
+        <p:cNvGrpSpPr/>
+        <p:nvPr/>
+      </p:nvGrpSpPr>
+      <p:grpSpPr>
+        <a:xfrm>
+          <a:off x="0" y="0"/>
+          <a:ext cx="0" cy="0"/>
+          <a:chOff x="0" y="0"/>
+          <a:chExt cx="0" cy="0"/>
+        </a:xfrm>
+      </p:grpSpPr>
+      <p:sp>
+        <p:nvSpPr>
+          <p:cNvPr id="4" name="TextBox 3"/>
+          <p:cNvSpPr txBox="1"/>
+          <p:nvPr/>
+        </p:nvSpPr>
+        <p:spPr>
+          <a:xfrm>
+            <a:off x="1371600" y="533400"/>
+            <a:ext cx="4419600" cy="369332"/>
+          </a:xfrm>
+          <a:prstGeom prst="rect">
+            <a:avLst/>
+          </a:prstGeom>
+          <a:noFill/>
+        </p:spPr>
+        <p:txBody>
+          <a:bodyPr wrap="square" rtlCol="0">
+            <a:spAutoFit/>
+          </a:bodyPr>
+          <a:lstStyle/>
+          <a:p>
+            <a:r>
+              <a:rPr lang="en-US" b="1" dirty="0" smtClean="0"/>
+              <a:t>Performance with reference to countries</a:t>
+            </a:r>
+            <a:endParaRPr lang="en-US" b="1" dirty="0"/>
+          </a:p>
+        </p:txBody>
+      </p:sp>
+      <p:pic>
+        <p:nvPicPr>
+          <p:cNvPr id="2050" name="Picture 2" descr="E:\academics\653\project\graphs\countrywise median RTT\Germany.png"/>
+          <p:cNvPicPr>
+            <a:picLocks noChangeAspect="1" noChangeArrowheads="1"/>
+          </p:cNvPicPr>
+          <p:nvPr/>
+        </p:nvPicPr>
+        <p:blipFill>
+          <a:blip r:embed="rId2"/>
+          <a:srcRect/>
+          <a:stretch>
+            <a:fillRect/>
+          </a:stretch>
+        </p:blipFill>
+        <p:spPr bwMode="auto">
+          <a:xfrm>
+            <a:off x="0" y="1143000"/>
+            <a:ext cx="3352800" cy="3873500"/>
+          </a:xfrm>
+          <a:prstGeom prst="rect">
+            <a:avLst/>
+          </a:prstGeom>
+          <a:noFill/>
+        </p:spPr>
+      </p:pic>
+      <p:pic>
+        <p:nvPicPr>
+          <p:cNvPr id="2051" name="Picture 3" descr="E:\academics\653\project\graphs\countrywise median RTT\Zimbabwe.png"/>
+          <p:cNvPicPr>
+            <a:picLocks noChangeAspect="1" noChangeArrowheads="1"/>
+          </p:cNvPicPr>
+          <p:nvPr/>
+        </p:nvPicPr>
+        <p:blipFill>
+          <a:blip r:embed="rId3"/>
+          <a:srcRect/>
+          <a:stretch>
+            <a:fillRect/>
+          </a:stretch>
+        </p:blipFill>
+        <p:spPr bwMode="auto">
+          <a:xfrm>
+            <a:off x="3187700" y="1066800"/>
+            <a:ext cx="3670300" cy="4191000"/>
+          </a:xfrm>
+          <a:prstGeom prst="rect">
+            <a:avLst/>
+          </a:prstGeom>
+          <a:noFill/>
+        </p:spPr>
+      </p:pic>
+      <p:pic>
+        <p:nvPicPr>
+          <p:cNvPr id="2052" name="Picture 4" descr="E:\academics\653\project\graphs\Countrywise hops\Columbiahops.png"/>
+          <p:cNvPicPr>
+            <a:picLocks noChangeAspect="1" noChangeArrowheads="1"/>
+          </p:cNvPicPr>
+          <p:nvPr/>
+        </p:nvPicPr>
+        <p:blipFill>
+          <a:blip r:embed="rId4"/>
+          <a:srcRect/>
+          <a:stretch>
+            <a:fillRect/>
+          </a:stretch>
+        </p:blipFill>
+        <p:spPr bwMode="auto">
+          <a:xfrm>
+            <a:off x="0" y="5257800"/>
+            <a:ext cx="3352800" cy="4292600"/>
+          </a:xfrm>
+          <a:prstGeom prst="rect">
+            <a:avLst/>
+          </a:prstGeom>
+          <a:noFill/>
+        </p:spPr>
+      </p:pic>
+      <p:pic>
+        <p:nvPicPr>
+          <p:cNvPr id="2053" name="Picture 5" descr="E:\academics\653\project\graphs\Countrywise hops\Francehops.png"/>
+          <p:cNvPicPr>
+            <a:picLocks noChangeAspect="1" noChangeArrowheads="1"/>
+          </p:cNvPicPr>
+          <p:nvPr/>
+        </p:nvPicPr>
+        <p:blipFill>
+          <a:blip r:embed="rId5"/>
+          <a:srcRect/>
+          <a:stretch>
+            <a:fillRect/>
+          </a:stretch>
+        </p:blipFill>
+        <p:spPr bwMode="auto">
+          <a:xfrm>
+            <a:off x="3429000" y="5334000"/>
+            <a:ext cx="3429000" cy="4241800"/>
+          </a:xfrm>
+          <a:prstGeom prst="rect">
+            <a:avLst/>
+          </a:prstGeom>
+          <a:noFill/>
+        </p:spPr>
+      </p:pic>
     </p:spTree>
   </p:cSld>
   <p:clrMapOvr>
